--- a/python2/python2_ida_f22.pptx
+++ b/python2/python2_ida_f22.pptx
@@ -25991,7 +25991,7 @@
                 </a:solidFill>
                 <a:hlinkClick r:id="rId2"/>
               </a:rPr>
-              <a:t>https://raw.githubusercontent.com/AndersBensen/python_101/main/points.txt</a:t>
+              <a:t>https://raw.githubusercontent.com/AndersBensen/python_101/main/python2/points.txt</a:t>
             </a:r>
             <a:br>
               <a:rPr lang="da-DK" b="1" dirty="0">
@@ -41664,7 +41664,7 @@
         <p:spPr>
           <a:xfrm>
             <a:off x="1097279" y="2017235"/>
-            <a:ext cx="9343085" cy="3492314"/>
+            <a:ext cx="9343085" cy="4315832"/>
           </a:xfrm>
         </p:spPr>
         <p:txBody>
@@ -41853,6 +41853,75 @@
               <a:t>https://towardsdatascience.com/</a:t>
             </a:r>
             <a:endParaRPr lang="da-DK" sz="1800" dirty="0">
+              <a:solidFill>
+                <a:schemeClr val="tx1"/>
+              </a:solidFill>
+              <a:latin typeface="Times New Roman" panose="02020603050405020304" pitchFamily="18" charset="0"/>
+              <a:cs typeface="Times New Roman" panose="02020603050405020304" pitchFamily="18" charset="0"/>
+            </a:endParaRPr>
+          </a:p>
+          <a:p>
+            <a:pPr lvl="2">
+              <a:buClrTx/>
+              <a:buFont typeface="Arial" panose="020B0604020202020204" pitchFamily="34" charset="0"/>
+              <a:buChar char="•"/>
+            </a:pPr>
+            <a:endParaRPr lang="da-DK" sz="1800" dirty="0">
+              <a:solidFill>
+                <a:schemeClr val="tx1"/>
+              </a:solidFill>
+              <a:latin typeface="Times New Roman" panose="02020603050405020304" pitchFamily="18" charset="0"/>
+              <a:cs typeface="Times New Roman" panose="02020603050405020304" pitchFamily="18" charset="0"/>
+            </a:endParaRPr>
+          </a:p>
+          <a:p>
+            <a:pPr>
+              <a:buClrTx/>
+              <a:buFont typeface="Arial" panose="020B0604020202020204" pitchFamily="34" charset="0"/>
+              <a:buChar char="•"/>
+            </a:pPr>
+            <a:r>
+              <a:rPr lang="da-DK" dirty="0">
+                <a:solidFill>
+                  <a:schemeClr val="tx1"/>
+                </a:solidFill>
+                <a:latin typeface="Times New Roman" panose="02020603050405020304" pitchFamily="18" charset="0"/>
+                <a:cs typeface="Times New Roman" panose="02020603050405020304" pitchFamily="18" charset="0"/>
+              </a:rPr>
+              <a:t>Alt kode og løsninger fra i dag: </a:t>
+            </a:r>
+          </a:p>
+          <a:p>
+            <a:pPr lvl="1">
+              <a:buClrTx/>
+              <a:buFont typeface="Arial" panose="020B0604020202020204" pitchFamily="34" charset="0"/>
+              <a:buChar char="•"/>
+            </a:pPr>
+            <a:r>
+              <a:rPr lang="da-DK" sz="2000" dirty="0">
+                <a:solidFill>
+                  <a:schemeClr val="tx1"/>
+                </a:solidFill>
+                <a:latin typeface="Times New Roman" panose="02020603050405020304" pitchFamily="18" charset="0"/>
+                <a:cs typeface="Times New Roman" panose="02020603050405020304" pitchFamily="18" charset="0"/>
+                <a:hlinkClick r:id="rId6"/>
+              </a:rPr>
+              <a:t>https://github.com/AndersBensen/python_101/raw/main/python2/exercises.zip</a:t>
+            </a:r>
+            <a:endParaRPr lang="da-DK" sz="2000" dirty="0">
+              <a:solidFill>
+                <a:schemeClr val="tx1"/>
+              </a:solidFill>
+              <a:latin typeface="Times New Roman" panose="02020603050405020304" pitchFamily="18" charset="0"/>
+              <a:cs typeface="Times New Roman" panose="02020603050405020304" pitchFamily="18" charset="0"/>
+            </a:endParaRPr>
+          </a:p>
+          <a:p>
+            <a:pPr marL="201168" lvl="1" indent="0">
+              <a:buClrTx/>
+              <a:buNone/>
+            </a:pPr>
+            <a:endParaRPr lang="da-DK" sz="2200" dirty="0">
               <a:solidFill>
                 <a:schemeClr val="tx1"/>
               </a:solidFill>
